--- a/Nature_Neurosci/figures/divisive_normalization.pptx
+++ b/Nature_Neurosci/figures/divisive_normalization.pptx
@@ -108,6 +108,11 @@
       </a:defRPr>
     </a:lvl9pPr>
   </p:defaultTextStyle>
+  <p:extLst>
+    <p:ext uri="{EFAFB233-063F-42B5-8137-9DF3F51BA10A}">
+      <p15:sldGuideLst xmlns:p15="http://schemas.microsoft.com/office/powerpoint/2012/main"/>
+    </p:ext>
+  </p:extLst>
 </p:presentation>
 </file>
 
@@ -3488,7 +3493,7 @@
         <p:spPr>
           <a:xfrm>
             <a:off x="878089" y="4334827"/>
-            <a:ext cx="5732435" cy="2031325"/>
+            <a:ext cx="5732435" cy="1754326"/>
           </a:xfrm>
           <a:prstGeom prst="rect">
             <a:avLst/>
@@ -3534,20 +3539,23 @@
           <a:p>
             <a:r>
               <a:rPr lang="en-US" dirty="0" smtClean="0"/>
-              <a:t>         - linear gain for compressed sensing linearizes this</a:t>
-            </a:r>
-          </a:p>
-          <a:p>
-            <a:r>
-              <a:rPr lang="en-US" dirty="0"/>
-              <a:t> </a:t>
+              <a:t>         - </a:t>
             </a:r>
             <a:r>
               <a:rPr lang="en-US" dirty="0" smtClean="0"/>
-              <a:t>          transformation</a:t>
-            </a:r>
-          </a:p>
-          <a:p>
+              <a:t>linearization of this transformation for </a:t>
+            </a:r>
+            <a:r>
+              <a:rPr lang="en-US" dirty="0" smtClean="0"/>
+              <a:t>compressed </a:t>
+            </a:r>
+            <a:endParaRPr lang="en-US" dirty="0" smtClean="0"/>
+          </a:p>
+          <a:p>
+            <a:r>
+              <a:rPr lang="en-US" dirty="0" smtClean="0"/>
+              <a:t>           sensing decoding</a:t>
+            </a:r>
             <a:endParaRPr lang="en-US" dirty="0"/>
           </a:p>
           <a:p>
@@ -4381,7 +4389,7 @@
         <p:spPr>
           <a:xfrm>
             <a:off x="9146464" y="4166227"/>
-            <a:ext cx="2866685" cy="2585323"/>
+            <a:ext cx="2954920" cy="2585323"/>
           </a:xfrm>
           <a:prstGeom prst="rect">
             <a:avLst/>
@@ -4402,19 +4410,7 @@
               <a:rPr lang="en-US" dirty="0" smtClean="0">
                 <a:sym typeface="Wingdings" panose="05000000000000000000" pitchFamily="2" charset="2"/>
               </a:rPr>
-              <a:t>Prevents saturation, but quenches activity </a:t>
-            </a:r>
-            <a:r>
-              <a:rPr lang="en-US" i="1" dirty="0" smtClean="0">
-                <a:sym typeface="Wingdings" panose="05000000000000000000" pitchFamily="2" charset="2"/>
-              </a:rPr>
-              <a:t>distribution</a:t>
-            </a:r>
-            <a:r>
-              <a:rPr lang="en-US" dirty="0" smtClean="0">
-                <a:sym typeface="Wingdings" panose="05000000000000000000" pitchFamily="2" charset="2"/>
-              </a:rPr>
-              <a:t>, compromising combinatorial response</a:t>
+              <a:t>Prevents saturation, but quenches activity distribution, compromising combinatorial response</a:t>
             </a:r>
           </a:p>
           <a:p>
@@ -4423,16 +4419,10 @@
               <a:buChar char="ß"/>
             </a:pPr>
             <a:r>
-              <a:rPr lang="en-US" smtClean="0">
-                <a:sym typeface="Wingdings" panose="05000000000000000000" pitchFamily="2" charset="2"/>
-              </a:rPr>
-              <a:t>However</a:t>
-            </a:r>
-            <a:r>
               <a:rPr lang="en-US" dirty="0" smtClean="0">
                 <a:sym typeface="Wingdings" panose="05000000000000000000" pitchFamily="2" charset="2"/>
               </a:rPr>
-              <a:t>, activity breadth and invariance preserved with Weber-Law gain control</a:t>
+              <a:t>However, activity breadth and invariance preserved with Weber-Law gain control</a:t>
             </a:r>
             <a:endParaRPr lang="en-US" dirty="0"/>
           </a:p>
